--- a/powerpoint/Session1.pptx
+++ b/powerpoint/Session1.pptx
@@ -143,14 +143,6 @@
     </p:ext>
   </p:extLst>
 </p:presentation>
-</file>
-
-<file path=ppt/revisionInfo.xml><?xml version="1.0" encoding="utf-8"?>
-<p1510:revInfo xmlns:a="http://schemas.openxmlformats.org/drawingml/2006/main" xmlns:r="http://schemas.openxmlformats.org/officeDocument/2006/relationships" xmlns:p1510="http://schemas.microsoft.com/office/powerpoint/2015/10/main">
-  <p1510:revLst>
-    <p1510:client id="{F1BFABF0-9E15-5D47-AA9D-04E3006A2A7E}" v="1" dt="2024-06-10T21:52:47.110"/>
-  </p1510:revLst>
-</p1510:revInfo>
 </file>
 
 <file path=ppt/changesInfos/changesInfo1.xml><?xml version="1.0" encoding="utf-8"?>
@@ -319,6 +311,45 @@
             <pc:docMk/>
             <pc:sldMk cId="3866619547" sldId="286"/>
             <ac:spMk id="232" creationId="{00000000-0000-0000-0000-000000000000}"/>
+          </ac:spMkLst>
+        </pc:spChg>
+      </pc:sldChg>
+    </pc:docChg>
+  </pc:docChgLst>
+  <pc:docChgLst>
+    <pc:chgData name="Srinivasa Rao" userId="a6b54366-f13d-4292-8bb4-f06c50909b1e" providerId="ADAL" clId="{5CBD6F69-151C-2B45-BBA1-18881A03098F}"/>
+    <pc:docChg chg="modSld">
+      <pc:chgData name="Srinivasa Rao" userId="a6b54366-f13d-4292-8bb4-f06c50909b1e" providerId="ADAL" clId="{5CBD6F69-151C-2B45-BBA1-18881A03098F}" dt="2024-11-11T11:22:42.697" v="10"/>
+      <pc:docMkLst>
+        <pc:docMk/>
+      </pc:docMkLst>
+      <pc:sldChg chg="modSp mod">
+        <pc:chgData name="Srinivasa Rao" userId="a6b54366-f13d-4292-8bb4-f06c50909b1e" providerId="ADAL" clId="{5CBD6F69-151C-2B45-BBA1-18881A03098F}" dt="2024-11-11T11:22:37.138" v="9" actId="20577"/>
+        <pc:sldMkLst>
+          <pc:docMk/>
+          <pc:sldMk cId="0" sldId="256"/>
+        </pc:sldMkLst>
+        <pc:spChg chg="mod">
+          <ac:chgData name="Srinivasa Rao" userId="a6b54366-f13d-4292-8bb4-f06c50909b1e" providerId="ADAL" clId="{5CBD6F69-151C-2B45-BBA1-18881A03098F}" dt="2024-11-11T11:22:37.138" v="9" actId="20577"/>
+          <ac:spMkLst>
+            <pc:docMk/>
+            <pc:sldMk cId="0" sldId="256"/>
+            <ac:spMk id="229" creationId="{00000000-0000-0000-0000-000000000000}"/>
+          </ac:spMkLst>
+        </pc:spChg>
+      </pc:sldChg>
+      <pc:sldChg chg="modSp mod">
+        <pc:chgData name="Srinivasa Rao" userId="a6b54366-f13d-4292-8bb4-f06c50909b1e" providerId="ADAL" clId="{5CBD6F69-151C-2B45-BBA1-18881A03098F}" dt="2024-11-11T11:22:42.697" v="10"/>
+        <pc:sldMkLst>
+          <pc:docMk/>
+          <pc:sldMk cId="55516250" sldId="285"/>
+        </pc:sldMkLst>
+        <pc:spChg chg="mod">
+          <ac:chgData name="Srinivasa Rao" userId="a6b54366-f13d-4292-8bb4-f06c50909b1e" providerId="ADAL" clId="{5CBD6F69-151C-2B45-BBA1-18881A03098F}" dt="2024-11-11T11:22:42.697" v="10"/>
+          <ac:spMkLst>
+            <pc:docMk/>
+            <pc:sldMk cId="55516250" sldId="285"/>
+            <ac:spMk id="229" creationId="{00000000-0000-0000-0000-000000000000}"/>
           </ac:spMkLst>
         </pc:spChg>
       </pc:sldChg>
@@ -20277,7 +20308,7 @@
                 <a:latin typeface="Calibri"/>
                 <a:ea typeface="DejaVu Sans"/>
               </a:rPr>
-              <a:t>Trinity 2024</a:t>
+              <a:t>Michaelmas 2024</a:t>
             </a:r>
             <a:endParaRPr lang="en-GB" sz="3200" b="0" strike="noStrike" spc="-1" dirty="0">
               <a:latin typeface="Arial"/>
@@ -30418,14 +30449,14 @@
               </a:tabLst>
             </a:pPr>
             <a:r>
-              <a:rPr lang="en-US" sz="3200" b="0" strike="noStrike" spc="-1" dirty="0">
+              <a:rPr lang="en-US" sz="3200" b="0" strike="noStrike" spc="-1">
                 <a:solidFill>
                   <a:srgbClr val="8B8B8B"/>
                 </a:solidFill>
                 <a:latin typeface="Calibri"/>
                 <a:ea typeface="DejaVu Sans"/>
               </a:rPr>
-              <a:t>Trinity 2024</a:t>
+              <a:t>Michaelmas 2024</a:t>
             </a:r>
             <a:endParaRPr lang="en-GB" sz="3200" b="0" strike="noStrike" spc="-1" dirty="0">
               <a:latin typeface="Arial"/>

--- a/powerpoint/Session1.pptx
+++ b/powerpoint/Session1.pptx
@@ -143,297 +143,6 @@
     </p:ext>
   </p:extLst>
 </p:presentation>
-</file>
-
-<file path=ppt/changesInfos/changesInfo1.xml><?xml version="1.0" encoding="utf-8"?>
-<pc:chgInfo xmlns:a="http://schemas.openxmlformats.org/drawingml/2006/main" xmlns:r="http://schemas.openxmlformats.org/officeDocument/2006/relationships" xmlns:ac="http://schemas.microsoft.com/office/drawing/2013/main/command" xmlns:pc="http://schemas.microsoft.com/office/powerpoint/2013/main/command">
-  <pc:docChgLst>
-    <pc:chgData name="Srinivasa Rao" userId="a6b54366-f13d-4292-8bb4-f06c50909b1e" providerId="ADAL" clId="{F1BFABF0-9E15-5D47-AA9D-04E3006A2A7E}"/>
-    <pc:docChg chg="modSld">
-      <pc:chgData name="Srinivasa Rao" userId="a6b54366-f13d-4292-8bb4-f06c50909b1e" providerId="ADAL" clId="{F1BFABF0-9E15-5D47-AA9D-04E3006A2A7E}" dt="2024-06-10T21:52:47.099" v="15" actId="20577"/>
-      <pc:docMkLst>
-        <pc:docMk/>
-      </pc:docMkLst>
-      <pc:sldChg chg="modSp mod">
-        <pc:chgData name="Srinivasa Rao" userId="a6b54366-f13d-4292-8bb4-f06c50909b1e" providerId="ADAL" clId="{F1BFABF0-9E15-5D47-AA9D-04E3006A2A7E}" dt="2024-06-10T21:52:25.601" v="6" actId="20577"/>
-        <pc:sldMkLst>
-          <pc:docMk/>
-          <pc:sldMk cId="0" sldId="256"/>
-        </pc:sldMkLst>
-        <pc:spChg chg="mod">
-          <ac:chgData name="Srinivasa Rao" userId="a6b54366-f13d-4292-8bb4-f06c50909b1e" providerId="ADAL" clId="{F1BFABF0-9E15-5D47-AA9D-04E3006A2A7E}" dt="2024-06-10T21:52:25.601" v="6" actId="20577"/>
-          <ac:spMkLst>
-            <pc:docMk/>
-            <pc:sldMk cId="0" sldId="256"/>
-            <ac:spMk id="229" creationId="{00000000-0000-0000-0000-000000000000}"/>
-          </ac:spMkLst>
-        </pc:spChg>
-      </pc:sldChg>
-      <pc:sldChg chg="modSp mod">
-        <pc:chgData name="Srinivasa Rao" userId="a6b54366-f13d-4292-8bb4-f06c50909b1e" providerId="ADAL" clId="{F1BFABF0-9E15-5D47-AA9D-04E3006A2A7E}" dt="2024-06-10T21:52:47.099" v="15" actId="20577"/>
-        <pc:sldMkLst>
-          <pc:docMk/>
-          <pc:sldMk cId="0" sldId="257"/>
-        </pc:sldMkLst>
-        <pc:spChg chg="mod">
-          <ac:chgData name="Srinivasa Rao" userId="a6b54366-f13d-4292-8bb4-f06c50909b1e" providerId="ADAL" clId="{F1BFABF0-9E15-5D47-AA9D-04E3006A2A7E}" dt="2024-06-10T21:52:47.099" v="15" actId="20577"/>
-          <ac:spMkLst>
-            <pc:docMk/>
-            <pc:sldMk cId="0" sldId="257"/>
-            <ac:spMk id="230" creationId="{00000000-0000-0000-0000-000000000000}"/>
-          </ac:spMkLst>
-        </pc:spChg>
-      </pc:sldChg>
-      <pc:sldChg chg="modSp mod">
-        <pc:chgData name="Srinivasa Rao" userId="a6b54366-f13d-4292-8bb4-f06c50909b1e" providerId="ADAL" clId="{F1BFABF0-9E15-5D47-AA9D-04E3006A2A7E}" dt="2024-06-10T21:52:31.561" v="13" actId="20577"/>
-        <pc:sldMkLst>
-          <pc:docMk/>
-          <pc:sldMk cId="55516250" sldId="285"/>
-        </pc:sldMkLst>
-        <pc:spChg chg="mod">
-          <ac:chgData name="Srinivasa Rao" userId="a6b54366-f13d-4292-8bb4-f06c50909b1e" providerId="ADAL" clId="{F1BFABF0-9E15-5D47-AA9D-04E3006A2A7E}" dt="2024-06-10T21:52:31.561" v="13" actId="20577"/>
-          <ac:spMkLst>
-            <pc:docMk/>
-            <pc:sldMk cId="55516250" sldId="285"/>
-            <ac:spMk id="229" creationId="{00000000-0000-0000-0000-000000000000}"/>
-          </ac:spMkLst>
-        </pc:spChg>
-      </pc:sldChg>
-    </pc:docChg>
-  </pc:docChgLst>
-  <pc:docChgLst>
-    <pc:chgData name="Srinivasa Rao" userId="a6b54366-f13d-4292-8bb4-f06c50909b1e" providerId="ADAL" clId="{6B9E06D8-20C2-D848-A103-87A0E5BBED98}"/>
-    <pc:docChg chg="custSel addSld delSld modSld sldOrd">
-      <pc:chgData name="Srinivasa Rao" userId="a6b54366-f13d-4292-8bb4-f06c50909b1e" providerId="ADAL" clId="{6B9E06D8-20C2-D848-A103-87A0E5BBED98}" dt="2023-10-10T10:24:42.232" v="226" actId="14100"/>
-      <pc:docMkLst>
-        <pc:docMk/>
-      </pc:docMkLst>
-      <pc:sldChg chg="modSp mod">
-        <pc:chgData name="Srinivasa Rao" userId="a6b54366-f13d-4292-8bb4-f06c50909b1e" providerId="ADAL" clId="{6B9E06D8-20C2-D848-A103-87A0E5BBED98}" dt="2023-10-10T07:55:05.365" v="129" actId="20577"/>
-        <pc:sldMkLst>
-          <pc:docMk/>
-          <pc:sldMk cId="0" sldId="256"/>
-        </pc:sldMkLst>
-        <pc:spChg chg="mod">
-          <ac:chgData name="Srinivasa Rao" userId="a6b54366-f13d-4292-8bb4-f06c50909b1e" providerId="ADAL" clId="{6B9E06D8-20C2-D848-A103-87A0E5BBED98}" dt="2023-10-10T07:54:55.855" v="119" actId="20577"/>
-          <ac:spMkLst>
-            <pc:docMk/>
-            <pc:sldMk cId="0" sldId="256"/>
-            <ac:spMk id="228" creationId="{00000000-0000-0000-0000-000000000000}"/>
-          </ac:spMkLst>
-        </pc:spChg>
-        <pc:spChg chg="mod">
-          <ac:chgData name="Srinivasa Rao" userId="a6b54366-f13d-4292-8bb4-f06c50909b1e" providerId="ADAL" clId="{6B9E06D8-20C2-D848-A103-87A0E5BBED98}" dt="2023-10-10T07:55:05.365" v="129" actId="20577"/>
-          <ac:spMkLst>
-            <pc:docMk/>
-            <pc:sldMk cId="0" sldId="256"/>
-            <ac:spMk id="229" creationId="{00000000-0000-0000-0000-000000000000}"/>
-          </ac:spMkLst>
-        </pc:spChg>
-      </pc:sldChg>
-      <pc:sldChg chg="modSp mod">
-        <pc:chgData name="Srinivasa Rao" userId="a6b54366-f13d-4292-8bb4-f06c50909b1e" providerId="ADAL" clId="{6B9E06D8-20C2-D848-A103-87A0E5BBED98}" dt="2023-10-10T07:55:39.609" v="138" actId="20577"/>
-        <pc:sldMkLst>
-          <pc:docMk/>
-          <pc:sldMk cId="0" sldId="257"/>
-        </pc:sldMkLst>
-        <pc:spChg chg="mod">
-          <ac:chgData name="Srinivasa Rao" userId="a6b54366-f13d-4292-8bb4-f06c50909b1e" providerId="ADAL" clId="{6B9E06D8-20C2-D848-A103-87A0E5BBED98}" dt="2023-10-10T07:55:39.609" v="138" actId="20577"/>
-          <ac:spMkLst>
-            <pc:docMk/>
-            <pc:sldMk cId="0" sldId="257"/>
-            <ac:spMk id="230" creationId="{00000000-0000-0000-0000-000000000000}"/>
-          </ac:spMkLst>
-        </pc:spChg>
-      </pc:sldChg>
-      <pc:sldChg chg="modSp mod">
-        <pc:chgData name="Srinivasa Rao" userId="a6b54366-f13d-4292-8bb4-f06c50909b1e" providerId="ADAL" clId="{6B9E06D8-20C2-D848-A103-87A0E5BBED98}" dt="2023-10-10T10:24:42.232" v="226" actId="14100"/>
-        <pc:sldMkLst>
-          <pc:docMk/>
-          <pc:sldMk cId="0" sldId="269"/>
-        </pc:sldMkLst>
-        <pc:spChg chg="mod">
-          <ac:chgData name="Srinivasa Rao" userId="a6b54366-f13d-4292-8bb4-f06c50909b1e" providerId="ADAL" clId="{6B9E06D8-20C2-D848-A103-87A0E5BBED98}" dt="2023-10-10T10:24:42.232" v="226" actId="14100"/>
-          <ac:spMkLst>
-            <pc:docMk/>
-            <pc:sldMk cId="0" sldId="269"/>
-            <ac:spMk id="341" creationId="{00000000-0000-0000-0000-000000000000}"/>
-          </ac:spMkLst>
-        </pc:spChg>
-      </pc:sldChg>
-      <pc:sldChg chg="new del ord">
-        <pc:chgData name="Srinivasa Rao" userId="a6b54366-f13d-4292-8bb4-f06c50909b1e" providerId="ADAL" clId="{6B9E06D8-20C2-D848-A103-87A0E5BBED98}" dt="2023-10-10T07:54:08.853" v="3" actId="2696"/>
-        <pc:sldMkLst>
-          <pc:docMk/>
-          <pc:sldMk cId="934352441" sldId="284"/>
-        </pc:sldMkLst>
-      </pc:sldChg>
-      <pc:sldChg chg="modSp add mod">
-        <pc:chgData name="Srinivasa Rao" userId="a6b54366-f13d-4292-8bb4-f06c50909b1e" providerId="ADAL" clId="{6B9E06D8-20C2-D848-A103-87A0E5BBED98}" dt="2023-10-10T07:55:11.949" v="130"/>
-        <pc:sldMkLst>
-          <pc:docMk/>
-          <pc:sldMk cId="55516250" sldId="285"/>
-        </pc:sldMkLst>
-        <pc:spChg chg="mod">
-          <ac:chgData name="Srinivasa Rao" userId="a6b54366-f13d-4292-8bb4-f06c50909b1e" providerId="ADAL" clId="{6B9E06D8-20C2-D848-A103-87A0E5BBED98}" dt="2023-10-10T07:55:11.949" v="130"/>
-          <ac:spMkLst>
-            <pc:docMk/>
-            <pc:sldMk cId="55516250" sldId="285"/>
-            <ac:spMk id="229" creationId="{00000000-0000-0000-0000-000000000000}"/>
-          </ac:spMkLst>
-        </pc:spChg>
-      </pc:sldChg>
-      <pc:sldChg chg="addSp delSp modSp add mod">
-        <pc:chgData name="Srinivasa Rao" userId="a6b54366-f13d-4292-8bb4-f06c50909b1e" providerId="ADAL" clId="{6B9E06D8-20C2-D848-A103-87A0E5BBED98}" dt="2023-10-10T08:09:11.243" v="218" actId="14100"/>
-        <pc:sldMkLst>
-          <pc:docMk/>
-          <pc:sldMk cId="3866619547" sldId="286"/>
-        </pc:sldMkLst>
-        <pc:spChg chg="add mod">
-          <ac:chgData name="Srinivasa Rao" userId="a6b54366-f13d-4292-8bb4-f06c50909b1e" providerId="ADAL" clId="{6B9E06D8-20C2-D848-A103-87A0E5BBED98}" dt="2023-10-10T08:08:58.265" v="216" actId="27636"/>
-          <ac:spMkLst>
-            <pc:docMk/>
-            <pc:sldMk cId="3866619547" sldId="286"/>
-            <ac:spMk id="2" creationId="{71FDD77B-BFCD-41B5-95AF-944017EA0FCF}"/>
-          </ac:spMkLst>
-        </pc:spChg>
-        <pc:spChg chg="del mod">
-          <ac:chgData name="Srinivasa Rao" userId="a6b54366-f13d-4292-8bb4-f06c50909b1e" providerId="ADAL" clId="{6B9E06D8-20C2-D848-A103-87A0E5BBED98}" dt="2023-10-10T08:08:35.888" v="197" actId="478"/>
-          <ac:spMkLst>
-            <pc:docMk/>
-            <pc:sldMk cId="3866619547" sldId="286"/>
-            <ac:spMk id="231" creationId="{00000000-0000-0000-0000-000000000000}"/>
-          </ac:spMkLst>
-        </pc:spChg>
-        <pc:spChg chg="mod">
-          <ac:chgData name="Srinivasa Rao" userId="a6b54366-f13d-4292-8bb4-f06c50909b1e" providerId="ADAL" clId="{6B9E06D8-20C2-D848-A103-87A0E5BBED98}" dt="2023-10-10T08:09:11.243" v="218" actId="14100"/>
-          <ac:spMkLst>
-            <pc:docMk/>
-            <pc:sldMk cId="3866619547" sldId="286"/>
-            <ac:spMk id="232" creationId="{00000000-0000-0000-0000-000000000000}"/>
-          </ac:spMkLst>
-        </pc:spChg>
-      </pc:sldChg>
-    </pc:docChg>
-  </pc:docChgLst>
-  <pc:docChgLst>
-    <pc:chgData name="Srinivasa Rao" userId="a6b54366-f13d-4292-8bb4-f06c50909b1e" providerId="ADAL" clId="{5CBD6F69-151C-2B45-BBA1-18881A03098F}"/>
-    <pc:docChg chg="modSld">
-      <pc:chgData name="Srinivasa Rao" userId="a6b54366-f13d-4292-8bb4-f06c50909b1e" providerId="ADAL" clId="{5CBD6F69-151C-2B45-BBA1-18881A03098F}" dt="2024-11-11T11:22:42.697" v="10"/>
-      <pc:docMkLst>
-        <pc:docMk/>
-      </pc:docMkLst>
-      <pc:sldChg chg="modSp mod">
-        <pc:chgData name="Srinivasa Rao" userId="a6b54366-f13d-4292-8bb4-f06c50909b1e" providerId="ADAL" clId="{5CBD6F69-151C-2B45-BBA1-18881A03098F}" dt="2024-11-11T11:22:37.138" v="9" actId="20577"/>
-        <pc:sldMkLst>
-          <pc:docMk/>
-          <pc:sldMk cId="0" sldId="256"/>
-        </pc:sldMkLst>
-        <pc:spChg chg="mod">
-          <ac:chgData name="Srinivasa Rao" userId="a6b54366-f13d-4292-8bb4-f06c50909b1e" providerId="ADAL" clId="{5CBD6F69-151C-2B45-BBA1-18881A03098F}" dt="2024-11-11T11:22:37.138" v="9" actId="20577"/>
-          <ac:spMkLst>
-            <pc:docMk/>
-            <pc:sldMk cId="0" sldId="256"/>
-            <ac:spMk id="229" creationId="{00000000-0000-0000-0000-000000000000}"/>
-          </ac:spMkLst>
-        </pc:spChg>
-      </pc:sldChg>
-      <pc:sldChg chg="modSp mod">
-        <pc:chgData name="Srinivasa Rao" userId="a6b54366-f13d-4292-8bb4-f06c50909b1e" providerId="ADAL" clId="{5CBD6F69-151C-2B45-BBA1-18881A03098F}" dt="2024-11-11T11:22:42.697" v="10"/>
-        <pc:sldMkLst>
-          <pc:docMk/>
-          <pc:sldMk cId="55516250" sldId="285"/>
-        </pc:sldMkLst>
-        <pc:spChg chg="mod">
-          <ac:chgData name="Srinivasa Rao" userId="a6b54366-f13d-4292-8bb4-f06c50909b1e" providerId="ADAL" clId="{5CBD6F69-151C-2B45-BBA1-18881A03098F}" dt="2024-11-11T11:22:42.697" v="10"/>
-          <ac:spMkLst>
-            <pc:docMk/>
-            <pc:sldMk cId="55516250" sldId="285"/>
-            <ac:spMk id="229" creationId="{00000000-0000-0000-0000-000000000000}"/>
-          </ac:spMkLst>
-        </pc:spChg>
-      </pc:sldChg>
-    </pc:docChg>
-  </pc:docChgLst>
-  <pc:docChgLst>
-    <pc:chgData name="Srinivasa Rao" userId="a6b54366-f13d-4292-8bb4-f06c50909b1e" providerId="ADAL" clId="{F9932D7D-F0FB-9F4E-9E85-5ED213839E3C}"/>
-    <pc:docChg chg="modSld">
-      <pc:chgData name="Srinivasa Rao" userId="a6b54366-f13d-4292-8bb4-f06c50909b1e" providerId="ADAL" clId="{F9932D7D-F0FB-9F4E-9E85-5ED213839E3C}" dt="2024-02-04T21:27:54.527" v="13" actId="20577"/>
-      <pc:docMkLst>
-        <pc:docMk/>
-      </pc:docMkLst>
-      <pc:sldChg chg="modSp mod">
-        <pc:chgData name="Srinivasa Rao" userId="a6b54366-f13d-4292-8bb4-f06c50909b1e" providerId="ADAL" clId="{F9932D7D-F0FB-9F4E-9E85-5ED213839E3C}" dt="2024-02-03T21:08:52.053" v="2" actId="20577"/>
-        <pc:sldMkLst>
-          <pc:docMk/>
-          <pc:sldMk cId="0" sldId="256"/>
-        </pc:sldMkLst>
-        <pc:spChg chg="mod">
-          <ac:chgData name="Srinivasa Rao" userId="a6b54366-f13d-4292-8bb4-f06c50909b1e" providerId="ADAL" clId="{F9932D7D-F0FB-9F4E-9E85-5ED213839E3C}" dt="2024-02-03T21:08:52.053" v="2" actId="20577"/>
-          <ac:spMkLst>
-            <pc:docMk/>
-            <pc:sldMk cId="0" sldId="256"/>
-            <ac:spMk id="229" creationId="{00000000-0000-0000-0000-000000000000}"/>
-          </ac:spMkLst>
-        </pc:spChg>
-      </pc:sldChg>
-      <pc:sldChg chg="modSp mod">
-        <pc:chgData name="Srinivasa Rao" userId="a6b54366-f13d-4292-8bb4-f06c50909b1e" providerId="ADAL" clId="{F9932D7D-F0FB-9F4E-9E85-5ED213839E3C}" dt="2024-02-04T21:27:54.527" v="13" actId="20577"/>
-        <pc:sldMkLst>
-          <pc:docMk/>
-          <pc:sldMk cId="55516250" sldId="285"/>
-        </pc:sldMkLst>
-        <pc:spChg chg="mod">
-          <ac:chgData name="Srinivasa Rao" userId="a6b54366-f13d-4292-8bb4-f06c50909b1e" providerId="ADAL" clId="{F9932D7D-F0FB-9F4E-9E85-5ED213839E3C}" dt="2024-02-04T21:27:54.527" v="13" actId="20577"/>
-          <ac:spMkLst>
-            <pc:docMk/>
-            <pc:sldMk cId="55516250" sldId="285"/>
-            <ac:spMk id="229" creationId="{00000000-0000-0000-0000-000000000000}"/>
-          </ac:spMkLst>
-        </pc:spChg>
-      </pc:sldChg>
-    </pc:docChg>
-  </pc:docChgLst>
-  <pc:docChgLst>
-    <pc:chgData name="Srinivasa Rao" userId="a6b54366-f13d-4292-8bb4-f06c50909b1e" providerId="ADAL" clId="{EBC3DFD4-8BF3-6842-9EBB-7D326FBFC1B9}"/>
-    <pc:docChg chg="modSld">
-      <pc:chgData name="Srinivasa Rao" userId="a6b54366-f13d-4292-8bb4-f06c50909b1e" providerId="ADAL" clId="{EBC3DFD4-8BF3-6842-9EBB-7D326FBFC1B9}" dt="2024-01-22T19:57:51.935" v="9" actId="20577"/>
-      <pc:docMkLst>
-        <pc:docMk/>
-      </pc:docMkLst>
-      <pc:sldChg chg="modSp mod">
-        <pc:chgData name="Srinivasa Rao" userId="a6b54366-f13d-4292-8bb4-f06c50909b1e" providerId="ADAL" clId="{EBC3DFD4-8BF3-6842-9EBB-7D326FBFC1B9}" dt="2024-01-22T19:57:33.198" v="7" actId="20577"/>
-        <pc:sldMkLst>
-          <pc:docMk/>
-          <pc:sldMk cId="0" sldId="256"/>
-        </pc:sldMkLst>
-        <pc:spChg chg="mod">
-          <ac:chgData name="Srinivasa Rao" userId="a6b54366-f13d-4292-8bb4-f06c50909b1e" providerId="ADAL" clId="{EBC3DFD4-8BF3-6842-9EBB-7D326FBFC1B9}" dt="2024-01-22T19:57:33.198" v="7" actId="20577"/>
-          <ac:spMkLst>
-            <pc:docMk/>
-            <pc:sldMk cId="0" sldId="256"/>
-            <ac:spMk id="229" creationId="{00000000-0000-0000-0000-000000000000}"/>
-          </ac:spMkLst>
-        </pc:spChg>
-      </pc:sldChg>
-      <pc:sldChg chg="modSp mod">
-        <pc:chgData name="Srinivasa Rao" userId="a6b54366-f13d-4292-8bb4-f06c50909b1e" providerId="ADAL" clId="{EBC3DFD4-8BF3-6842-9EBB-7D326FBFC1B9}" dt="2024-01-22T19:57:51.935" v="9" actId="20577"/>
-        <pc:sldMkLst>
-          <pc:docMk/>
-          <pc:sldMk cId="0" sldId="257"/>
-        </pc:sldMkLst>
-        <pc:spChg chg="mod">
-          <ac:chgData name="Srinivasa Rao" userId="a6b54366-f13d-4292-8bb4-f06c50909b1e" providerId="ADAL" clId="{EBC3DFD4-8BF3-6842-9EBB-7D326FBFC1B9}" dt="2024-01-22T19:57:51.935" v="9" actId="20577"/>
-          <ac:spMkLst>
-            <pc:docMk/>
-            <pc:sldMk cId="0" sldId="257"/>
-            <ac:spMk id="230" creationId="{00000000-0000-0000-0000-000000000000}"/>
-          </ac:spMkLst>
-        </pc:spChg>
-      </pc:sldChg>
-    </pc:docChg>
-  </pc:docChgLst>
-</pc:chgInfo>
 </file>
 
 <file path=ppt/diagrams/colors1.xml><?xml version="1.0" encoding="utf-8"?>
@@ -45265,18 +44974,9 @@
                 <a:latin typeface="Calibri"/>
                 <a:hlinkClick r:id="rId2"/>
               </a:rPr>
-              <a:t>/MSD_R_course_TT2024_2</a:t>
+              <a:t>/MSD_R_course_MT2024_2</a:t>
             </a:r>
-            <a:r>
-              <a:rPr lang="en-US" sz="3600" spc="-1">
-                <a:solidFill>
-                  <a:srgbClr val="000000"/>
-                </a:solidFill>
-                <a:latin typeface="Calibri"/>
-              </a:rPr>
-              <a:t> </a:t>
-            </a:r>
-            <a:endParaRPr lang="en-US" sz="3600" spc="-1" dirty="0">
+            <a:endParaRPr lang="en-US" sz="3600" spc="-1">
               <a:solidFill>
                 <a:srgbClr val="000000"/>
               </a:solidFill>
